--- a/ishch/template.pptx
+++ b/ishch/template.pptx
@@ -1205,7 +1205,7 @@
           <a:p>
             <a:fld id="{0E720C4B-DA76-46FC-8657-811DA01C616D}" type="datetimeFigureOut">
               <a:rPr lang="ru-RU" smtClean="0"/>
-              <a:t>01.08.2025</a:t>
+              <a:t>03.08.2025</a:t>
             </a:fld>
             <a:endParaRPr lang="ru-RU"/>
           </a:p>
@@ -2121,7 +2121,7 @@
                 </a:solidFill>
               </a:rPr>
               <a:pPr/>
-              <a:t>01.08.2025</a:t>
+              <a:t>03.08.2025</a:t>
             </a:fld>
             <a:endParaRPr lang="ru-RU">
               <a:solidFill>
@@ -3570,7 +3570,7 @@
                 </a:solidFill>
               </a:rPr>
               <a:pPr/>
-              <a:t>01.08.2025</a:t>
+              <a:t>03.08.2025</a:t>
             </a:fld>
             <a:endParaRPr lang="ru-RU">
               <a:solidFill>
@@ -7541,25 +7541,31 @@
           </a:bodyPr>
           <a:lstStyle/>
           <a:p>
-            <a:pPr marL="0" marR="0" lvl="0" indent="0" algn="ctr" defTabSz="457200" rtl="0" eaLnBrk="1" fontAlgn="auto" latinLnBrk="0" hangingPunct="1">
-              <a:lnSpc>
-                <a:spcPct val="100000"/>
-              </a:lnSpc>
-              <a:spcBef>
-                <a:spcPts val="0"/>
-              </a:spcBef>
-              <a:spcAft>
-                <a:spcPts val="0"/>
-              </a:spcAft>
-              <a:buClrTx/>
-              <a:buSzTx/>
-              <a:buFontTx/>
-              <a:buNone/>
-              <a:tabLst/>
+            <a:pPr lvl="0" algn="ctr" defTabSz="457200">
               <a:defRPr/>
             </a:pPr>
             <a:r>
-              <a:rPr kumimoji="0" lang="ru-RU" sz="1200" b="1" i="0" u="none" strike="noStrike" kern="1200" cap="none" spc="0" normalizeH="0" baseline="0" noProof="0" dirty="0">
+              <a:rPr lang="en-US" sz="1200" b="1" dirty="0" err="1">
+                <a:solidFill>
+                  <a:schemeClr val="bg2"/>
+                </a:solidFill>
+                <a:latin typeface="Calibri" panose="020F0502020204030204" pitchFamily="34" charset="0"/>
+                <a:cs typeface="Calibri" panose="020F0502020204030204" pitchFamily="34" charset="0"/>
+              </a:rPr>
+              <a:t>reporting_year</a:t>
+            </a:r>
+            <a:r>
+              <a:rPr lang="ru-RU" sz="1200" b="1">
+                <a:solidFill>
+                  <a:schemeClr val="bg2"/>
+                </a:solidFill>
+                <a:latin typeface="Calibri" panose="020F0502020204030204" pitchFamily="34" charset="0"/>
+                <a:cs typeface="Calibri" panose="020F0502020204030204" pitchFamily="34" charset="0"/>
+              </a:rPr>
+              <a:t> г</a:t>
+            </a:r>
+            <a:r>
+              <a:rPr kumimoji="0" lang="ru-RU" sz="1200" b="1" i="0" u="none" strike="noStrike" kern="1200" cap="none" spc="0" normalizeH="0" baseline="0" noProof="0">
                 <a:ln>
                   <a:noFill/>
                 </a:ln>
@@ -7574,8 +7580,23 @@
                 <a:latin typeface="Calibri" panose="020F0502020204030204" pitchFamily="34" charset="0"/>
                 <a:cs typeface="Calibri" panose="020F0502020204030204" pitchFamily="34" charset="0"/>
               </a:rPr>
-              <a:t>2022 год</a:t>
+              <a:t>од</a:t>
             </a:r>
+            <a:endParaRPr kumimoji="0" lang="ru-RU" sz="1200" b="1" i="0" u="none" strike="noStrike" kern="1200" cap="none" spc="0" normalizeH="0" baseline="0" noProof="0" dirty="0">
+              <a:ln>
+                <a:noFill/>
+              </a:ln>
+              <a:solidFill>
+                <a:schemeClr val="accent1">
+                  <a:lumMod val="75000"/>
+                </a:schemeClr>
+              </a:solidFill>
+              <a:effectLst/>
+              <a:uLnTx/>
+              <a:uFillTx/>
+              <a:latin typeface="Calibri" panose="020F0502020204030204" pitchFamily="34" charset="0"/>
+              <a:cs typeface="Calibri" panose="020F0502020204030204" pitchFamily="34" charset="0"/>
+            </a:endParaRPr>
           </a:p>
         </p:txBody>
       </p:sp>
